--- a/CV/Cenz_WongTszHo_Resume_20230107.pptx
+++ b/CV/Cenz_WongTszHo_Resume_20230107.pptx
@@ -19338,7 +19338,29 @@
                   <a:ea typeface="Tahoma" panose="020B0604030504040204" pitchFamily="34" charset="0"/>
                   <a:cs typeface="Tahoma" panose="020B0604030504040204" pitchFamily="34" charset="0"/>
                 </a:rPr>
-                <a:t>Prepared documents and conducted training sessions as part of the knowledge management process;</a:t>
+                <a:t>Prepared documents and </a:t>
+              </a:r>
+              <a:r>
+                <a:rPr lang="en-US" sz="1100" i="1" u="sng" dirty="0">
+                  <a:solidFill>
+                    <a:prstClr val="black"/>
+                  </a:solidFill>
+                  <a:latin typeface="Tahoma" panose="020B0604030504040204" pitchFamily="34" charset="0"/>
+                  <a:ea typeface="Tahoma" panose="020B0604030504040204" pitchFamily="34" charset="0"/>
+                  <a:cs typeface="Tahoma" panose="020B0604030504040204" pitchFamily="34" charset="0"/>
+                </a:rPr>
+                <a:t>conducted training sessions</a:t>
+              </a:r>
+              <a:r>
+                <a:rPr lang="en-US" sz="1100" i="1" dirty="0">
+                  <a:solidFill>
+                    <a:prstClr val="black"/>
+                  </a:solidFill>
+                  <a:latin typeface="Tahoma" panose="020B0604030504040204" pitchFamily="34" charset="0"/>
+                  <a:ea typeface="Tahoma" panose="020B0604030504040204" pitchFamily="34" charset="0"/>
+                  <a:cs typeface="Tahoma" panose="020B0604030504040204" pitchFamily="34" charset="0"/>
+                </a:rPr>
+                <a:t> as part of the knowledge management process;</a:t>
               </a:r>
             </a:p>
             <a:p>
@@ -19784,12 +19806,36 @@
                 <a:defRPr/>
               </a:pPr>
               <a:r>
+                <a:rPr lang="en-US" sz="1100" b="1">
+                  <a:latin typeface="Tahoma" panose="020B0604030504040204" pitchFamily="34" charset="0"/>
+                  <a:ea typeface="Tahoma" panose="020B0604030504040204" pitchFamily="34" charset="0"/>
+                  <a:cs typeface="Tahoma" panose="020B0604030504040204" pitchFamily="34" charset="0"/>
+                </a:rPr>
+                <a:t>Business Engineer Summer </a:t>
+              </a:r>
+              <a:r>
                 <a:rPr lang="en-US" sz="1100" b="1" dirty="0">
                   <a:latin typeface="Tahoma" panose="020B0604030504040204" pitchFamily="34" charset="0"/>
                   <a:ea typeface="Tahoma" panose="020B0604030504040204" pitchFamily="34" charset="0"/>
                   <a:cs typeface="Tahoma" panose="020B0604030504040204" pitchFamily="34" charset="0"/>
                 </a:rPr>
-                <a:t>Summer Intern / Wuxi Murata Electronics Co., Ltd				    </a:t>
+                <a:t>Intern / Wuxi Murata Electronics Co., Ltd</a:t>
+              </a:r>
+              <a:r>
+                <a:rPr lang="en-US" sz="1100" b="1">
+                  <a:latin typeface="Tahoma" panose="020B0604030504040204" pitchFamily="34" charset="0"/>
+                  <a:ea typeface="Tahoma" panose="020B0604030504040204" pitchFamily="34" charset="0"/>
+                  <a:cs typeface="Tahoma" panose="020B0604030504040204" pitchFamily="34" charset="0"/>
+                </a:rPr>
+                <a:t>	</a:t>
+              </a:r>
+              <a:r>
+                <a:rPr lang="en-US" sz="1100" b="1" dirty="0">
+                  <a:latin typeface="Tahoma" panose="020B0604030504040204" pitchFamily="34" charset="0"/>
+                  <a:ea typeface="Tahoma" panose="020B0604030504040204" pitchFamily="34" charset="0"/>
+                  <a:cs typeface="Tahoma" panose="020B0604030504040204" pitchFamily="34" charset="0"/>
+                </a:rPr>
+                <a:t>	    </a:t>
               </a:r>
             </a:p>
             <a:p>
@@ -20532,53 +20578,6 @@
           </p:spPr>
         </p:pic>
       </p:grpSp>
-      <p:pic>
-        <p:nvPicPr>
-          <p:cNvPr id="1030" name="Picture 6">
-            <a:extLst>
-              <a:ext uri="{FF2B5EF4-FFF2-40B4-BE49-F238E27FC236}">
-                <a16:creationId xmlns:a16="http://schemas.microsoft.com/office/drawing/2014/main" id="{13AB7851-169A-A0C5-5A64-CB24E3BC6834}"/>
-              </a:ext>
-            </a:extLst>
-          </p:cNvPr>
-          <p:cNvPicPr>
-            <a:picLocks noChangeAspect="1" noChangeArrowheads="1"/>
-          </p:cNvPicPr>
-          <p:nvPr/>
-        </p:nvPicPr>
-        <p:blipFill>
-          <a:blip r:embed="rId33">
-            <a:extLst>
-              <a:ext uri="{28A0092B-C50C-407E-A947-70E740481C1C}">
-                <a14:useLocalDpi xmlns:a14="http://schemas.microsoft.com/office/drawing/2010/main" val="0"/>
-              </a:ext>
-            </a:extLst>
-          </a:blip>
-          <a:srcRect/>
-          <a:stretch>
-            <a:fillRect/>
-          </a:stretch>
-        </p:blipFill>
-        <p:spPr bwMode="auto">
-          <a:xfrm>
-            <a:off x="-1307178" y="3430677"/>
-            <a:ext cx="540970" cy="341665"/>
-          </a:xfrm>
-          <a:prstGeom prst="rect">
-            <a:avLst/>
-          </a:prstGeom>
-          <a:noFill/>
-          <a:extLst>
-            <a:ext uri="{909E8E84-426E-40DD-AFC4-6F175D3DCCD1}">
-              <a14:hiddenFill xmlns:a14="http://schemas.microsoft.com/office/drawing/2010/main">
-                <a:solidFill>
-                  <a:srgbClr val="FFFFFF"/>
-                </a:solidFill>
-              </a14:hiddenFill>
-            </a:ext>
-          </a:extLst>
-        </p:spPr>
-      </p:pic>
       <p:sp>
         <p:nvSpPr>
           <p:cNvPr id="3" name="TextBox 2">
@@ -21319,90 +21318,6 @@
               <a:t>Dec 2021</a:t>
             </a:r>
             <a:endParaRPr lang="en-US" sz="900" dirty="0"/>
-          </a:p>
-        </p:txBody>
-      </p:sp>
-      <p:sp>
-        <p:nvSpPr>
-          <p:cNvPr id="9" name="TextBox 8">
-            <a:extLst>
-              <a:ext uri="{FF2B5EF4-FFF2-40B4-BE49-F238E27FC236}">
-                <a16:creationId xmlns:a16="http://schemas.microsoft.com/office/drawing/2014/main" id="{7D1029AA-947C-693C-B604-2692F9228276}"/>
-              </a:ext>
-            </a:extLst>
-          </p:cNvPr>
-          <p:cNvSpPr txBox="1"/>
-          <p:nvPr/>
-        </p:nvSpPr>
-        <p:spPr>
-          <a:xfrm>
-            <a:off x="3776950" y="123909"/>
-            <a:ext cx="528136" cy="369332"/>
-          </a:xfrm>
-          <a:prstGeom prst="rect">
-            <a:avLst/>
-          </a:prstGeom>
-          <a:noFill/>
-        </p:spPr>
-        <p:txBody>
-          <a:bodyPr wrap="square">
-            <a:spAutoFit/>
-          </a:bodyPr>
-          <a:lstStyle/>
-          <a:p>
-            <a:r>
-              <a:rPr lang="en-US" b="0" i="0" dirty="0">
-                <a:solidFill>
-                  <a:srgbClr val="F8F8F8"/>
-                </a:solidFill>
-                <a:effectLst/>
-                <a:latin typeface="Inter"/>
-              </a:rPr>
-              <a:t>📚</a:t>
-            </a:r>
-            <a:endParaRPr lang="en-US" dirty="0"/>
-          </a:p>
-        </p:txBody>
-      </p:sp>
-      <p:sp>
-        <p:nvSpPr>
-          <p:cNvPr id="18" name="TextBox 17">
-            <a:extLst>
-              <a:ext uri="{FF2B5EF4-FFF2-40B4-BE49-F238E27FC236}">
-                <a16:creationId xmlns:a16="http://schemas.microsoft.com/office/drawing/2014/main" id="{A9097F5D-60EC-D5D4-9D93-B2619E5EEACF}"/>
-              </a:ext>
-            </a:extLst>
-          </p:cNvPr>
-          <p:cNvSpPr txBox="1"/>
-          <p:nvPr/>
-        </p:nvSpPr>
-        <p:spPr>
-          <a:xfrm>
-            <a:off x="2620651" y="3313697"/>
-            <a:ext cx="1378333" cy="369332"/>
-          </a:xfrm>
-          <a:prstGeom prst="rect">
-            <a:avLst/>
-          </a:prstGeom>
-          <a:noFill/>
-        </p:spPr>
-        <p:txBody>
-          <a:bodyPr wrap="square">
-            <a:spAutoFit/>
-          </a:bodyPr>
-          <a:lstStyle/>
-          <a:p>
-            <a:r>
-              <a:rPr lang="en-US" b="0" i="0" dirty="0">
-                <a:solidFill>
-                  <a:srgbClr val="F8F8F8"/>
-                </a:solidFill>
-                <a:effectLst/>
-                <a:latin typeface="Inter"/>
-              </a:rPr>
-              <a:t>💻</a:t>
-            </a:r>
-            <a:endParaRPr lang="en-US" dirty="0"/>
           </a:p>
         </p:txBody>
       </p:sp>
